--- a/doc/A37134_LeQuangHuy.pptx
+++ b/doc/A37134_LeQuangHuy.pptx
@@ -263,7 +263,7 @@
       <p15:sldGuideLst xmlns:p15="http://schemas.microsoft.com/office/powerpoint/2012/main"/>
     </p:ext>
     <p:ext uri="http://customooxmlschemas.google.com/">
-      <go:slidesCustomData xmlns="" xmlns:mc="http://schemas.openxmlformats.org/markup-compatibility/2006" xmlns:mv="urn:schemas-microsoft-com:mac:vml" xmlns:c="http://schemas.openxmlformats.org/drawingml/2006/chart" xmlns:dgm="http://schemas.openxmlformats.org/drawingml/2006/diagram" xmlns:o="urn:schemas-microsoft-com:office:office" xmlns:v="urn:schemas-microsoft-com:vml" xmlns:pvml="urn:schemas-microsoft-com:office:powerpoint" xmlns:com="http://schemas.openxmlformats.org/drawingml/2006/compatibility" xmlns:p14="http://schemas.microsoft.com/office/powerpoint/2010/main" xmlns:p15="http://schemas.microsoft.com/office/powerpoint/2012/main" xmlns:ahyp="http://schemas.microsoft.com/office/drawing/2018/hyperlinkcolor" xmlns:go="http://customooxmlschemas.google.com/" r:id="rId47" roundtripDataSignature="AMtx7mhjJDaWr286aIF+Ko5kZYrjA66GXQ=="/>
+      <go:slidesCustomData xmlns:go="http://customooxmlschemas.google.com/" xmlns:ahyp="http://schemas.microsoft.com/office/drawing/2018/hyperlinkcolor" xmlns:p15="http://schemas.microsoft.com/office/powerpoint/2012/main" xmlns:p14="http://schemas.microsoft.com/office/powerpoint/2010/main" xmlns:com="http://schemas.openxmlformats.org/drawingml/2006/compatibility" xmlns:pvml="urn:schemas-microsoft-com:office:powerpoint" xmlns:v="urn:schemas-microsoft-com:vml" xmlns:o="urn:schemas-microsoft-com:office:office" xmlns:dgm="http://schemas.openxmlformats.org/drawingml/2006/diagram" xmlns:c="http://schemas.openxmlformats.org/drawingml/2006/chart" xmlns:mv="urn:schemas-microsoft-com:mac:vml" xmlns:mc="http://schemas.openxmlformats.org/markup-compatibility/2006" xmlns="" r:id="rId47" roundtripDataSignature="AMtx7mhjJDaWr286aIF+Ko5kZYrjA66GXQ=="/>
     </p:ext>
   </p:extLst>
 </p:presentation>
@@ -15230,7 +15230,7 @@
         <p:fade/>
       </p:transition>
     </mc:Choice>
-    <mc:Fallback xmlns="" xmlns:mv="urn:schemas-microsoft-com:mac:vml" xmlns:c="http://schemas.openxmlformats.org/drawingml/2006/chart" xmlns:dgm="http://schemas.openxmlformats.org/drawingml/2006/diagram" xmlns:o="urn:schemas-microsoft-com:office:office" xmlns:v="urn:schemas-microsoft-com:vml" xmlns:pvml="urn:schemas-microsoft-com:office:powerpoint" xmlns:com="http://schemas.openxmlformats.org/drawingml/2006/compatibility" xmlns:p15="http://schemas.microsoft.com/office/powerpoint/2012/main" xmlns:ahyp="http://schemas.microsoft.com/office/drawing/2018/hyperlinkcolor">
+    <mc:Fallback xmlns:ahyp="http://schemas.microsoft.com/office/drawing/2018/hyperlinkcolor" xmlns:p15="http://schemas.microsoft.com/office/powerpoint/2012/main" xmlns:com="http://schemas.openxmlformats.org/drawingml/2006/compatibility" xmlns:pvml="urn:schemas-microsoft-com:office:powerpoint" xmlns:v="urn:schemas-microsoft-com:vml" xmlns:o="urn:schemas-microsoft-com:office:office" xmlns:dgm="http://schemas.openxmlformats.org/drawingml/2006/diagram" xmlns:c="http://schemas.openxmlformats.org/drawingml/2006/chart" xmlns:mv="urn:schemas-microsoft-com:mac:vml" xmlns="">
       <p:transition spd="slow">
         <p:fade/>
       </p:transition>
@@ -17551,7 +17551,7 @@
         </p:nvSpPr>
         <p:spPr>
           <a:xfrm>
-            <a:off x="537984" y="1718740"/>
+            <a:off x="686509" y="1718740"/>
             <a:ext cx="10674118" cy="2446824"/>
           </a:xfrm>
           <a:prstGeom prst="rect">
@@ -19075,7 +19075,7 @@
         </p:nvSpPr>
         <p:spPr>
           <a:xfrm>
-            <a:off x="699942" y="1918259"/>
+            <a:off x="632041" y="1851215"/>
             <a:ext cx="5558017" cy="615553"/>
           </a:xfrm>
           <a:prstGeom prst="rect">
@@ -20428,8 +20428,8 @@
         </p:nvSpPr>
         <p:spPr>
           <a:xfrm>
-            <a:off x="537983" y="2644299"/>
-            <a:ext cx="11291426" cy="2185214"/>
+            <a:off x="686508" y="2790856"/>
+            <a:ext cx="11360489" cy="2185214"/>
           </a:xfrm>
           <a:prstGeom prst="rect">
             <a:avLst/>
@@ -21511,7 +21511,7 @@
         </p:nvSpPr>
         <p:spPr>
           <a:xfrm>
-            <a:off x="551165" y="1318140"/>
+            <a:off x="684186" y="1321097"/>
             <a:ext cx="4895151" cy="353943"/>
           </a:xfrm>
           <a:prstGeom prst="rect">
@@ -23433,7 +23433,7 @@
         </p:nvSpPr>
         <p:spPr>
           <a:xfrm>
-            <a:off x="629949" y="2193883"/>
+            <a:off x="686509" y="2145233"/>
             <a:ext cx="10932102" cy="1138773"/>
           </a:xfrm>
           <a:prstGeom prst="rect">
@@ -26248,7 +26248,7 @@
         </p:nvSpPr>
         <p:spPr>
           <a:xfrm>
-            <a:off x="629949" y="1826677"/>
+            <a:off x="686509" y="1825883"/>
             <a:ext cx="10964288" cy="2446824"/>
           </a:xfrm>
           <a:prstGeom prst="rect">
@@ -27162,7 +27162,7 @@
         </p:nvSpPr>
         <p:spPr>
           <a:xfrm>
-            <a:off x="629949" y="1826677"/>
+            <a:off x="686509" y="1826677"/>
             <a:ext cx="10964288" cy="2185214"/>
           </a:xfrm>
           <a:prstGeom prst="rect">
@@ -33820,7 +33820,7 @@
         <p:spPr>
           <a:xfrm>
             <a:off x="461384" y="756391"/>
-            <a:ext cx="3661154" cy="430887"/>
+            <a:ext cx="3661154" cy="400110"/>
           </a:xfrm>
           <a:prstGeom prst="rect">
             <a:avLst/>
@@ -33834,41 +33834,41 @@
           <a:lstStyle/>
           <a:p>
             <a:r>
-              <a:rPr lang="en-US" sz="2200" b="1" dirty="0" err="1">
+              <a:rPr lang="en-US" sz="2000" b="1" dirty="0" err="1">
                 <a:latin typeface="Montserrat Medium" panose="00000600000000000000" pitchFamily="50" charset="0"/>
                 <a:cs typeface="Times New Roman" panose="02020603050405020304" pitchFamily="18" charset="0"/>
               </a:rPr>
               <a:t>Đặt</a:t>
             </a:r>
             <a:r>
-              <a:rPr lang="en-US" sz="2200" b="1" dirty="0">
+              <a:rPr lang="en-US" sz="2000" b="1" dirty="0">
                 <a:latin typeface="Montserrat Medium" panose="00000600000000000000" pitchFamily="50" charset="0"/>
                 <a:cs typeface="Times New Roman" panose="02020603050405020304" pitchFamily="18" charset="0"/>
               </a:rPr>
               <a:t> </a:t>
             </a:r>
             <a:r>
-              <a:rPr lang="en-US" sz="2200" b="1" dirty="0" err="1">
+              <a:rPr lang="en-US" sz="2000" b="1" dirty="0" err="1">
                 <a:latin typeface="Montserrat Medium" panose="00000600000000000000" pitchFamily="50" charset="0"/>
                 <a:cs typeface="Times New Roman" panose="02020603050405020304" pitchFamily="18" charset="0"/>
               </a:rPr>
               <a:t>vấn</a:t>
             </a:r>
             <a:r>
-              <a:rPr lang="en-US" sz="2200" b="1" dirty="0">
+              <a:rPr lang="en-US" sz="2000" b="1" dirty="0">
                 <a:latin typeface="Montserrat Medium" panose="00000600000000000000" pitchFamily="50" charset="0"/>
                 <a:cs typeface="Times New Roman" panose="02020603050405020304" pitchFamily="18" charset="0"/>
               </a:rPr>
               <a:t> </a:t>
             </a:r>
             <a:r>
-              <a:rPr lang="en-US" sz="2200" b="1" dirty="0" err="1">
+              <a:rPr lang="en-US" sz="2000" b="1" dirty="0" err="1">
                 <a:latin typeface="Montserrat Medium" panose="00000600000000000000" pitchFamily="50" charset="0"/>
                 <a:cs typeface="Times New Roman" panose="02020603050405020304" pitchFamily="18" charset="0"/>
               </a:rPr>
               <a:t>đề</a:t>
             </a:r>
-            <a:endParaRPr lang="en-US" sz="2200" b="1" dirty="0">
+            <a:endParaRPr lang="en-US" sz="2000" b="1" dirty="0">
               <a:latin typeface="Montserrat Medium" panose="00000600000000000000" pitchFamily="50" charset="0"/>
               <a:cs typeface="Times New Roman" panose="02020603050405020304" pitchFamily="18" charset="0"/>
             </a:endParaRPr>
@@ -34012,7 +34012,7 @@
         <p:spPr>
           <a:xfrm>
             <a:off x="504940" y="4054945"/>
-            <a:ext cx="3661154" cy="430887"/>
+            <a:ext cx="3661154" cy="400110"/>
           </a:xfrm>
           <a:prstGeom prst="rect">
             <a:avLst/>
@@ -34026,55 +34026,55 @@
           <a:lstStyle/>
           <a:p>
             <a:r>
-              <a:rPr lang="en-US" sz="2200" b="1" dirty="0" err="1">
+              <a:rPr lang="en-US" sz="2000" b="1" dirty="0" err="1">
                 <a:latin typeface="Montserrat Medium" panose="00000600000000000000" pitchFamily="50" charset="0"/>
                 <a:cs typeface="Times New Roman" panose="02020603050405020304" pitchFamily="18" charset="0"/>
               </a:rPr>
               <a:t>Mục</a:t>
             </a:r>
             <a:r>
-              <a:rPr lang="en-US" sz="2200" b="1" dirty="0">
+              <a:rPr lang="en-US" sz="2000" b="1" dirty="0">
                 <a:latin typeface="Montserrat Medium" panose="00000600000000000000" pitchFamily="50" charset="0"/>
                 <a:cs typeface="Times New Roman" panose="02020603050405020304" pitchFamily="18" charset="0"/>
               </a:rPr>
               <a:t> </a:t>
             </a:r>
             <a:r>
-              <a:rPr lang="en-US" sz="2200" b="1" dirty="0" err="1">
+              <a:rPr lang="en-US" sz="2000" b="1" dirty="0" err="1">
                 <a:latin typeface="Montserrat Medium" panose="00000600000000000000" pitchFamily="50" charset="0"/>
                 <a:cs typeface="Times New Roman" panose="02020603050405020304" pitchFamily="18" charset="0"/>
               </a:rPr>
               <a:t>tiêu</a:t>
             </a:r>
             <a:r>
-              <a:rPr lang="en-US" sz="2200" b="1" dirty="0">
+              <a:rPr lang="en-US" sz="2000" b="1" dirty="0">
                 <a:latin typeface="Montserrat Medium" panose="00000600000000000000" pitchFamily="50" charset="0"/>
                 <a:cs typeface="Times New Roman" panose="02020603050405020304" pitchFamily="18" charset="0"/>
               </a:rPr>
               <a:t> </a:t>
             </a:r>
             <a:r>
-              <a:rPr lang="en-US" sz="2200" b="1" dirty="0" err="1">
+              <a:rPr lang="en-US" sz="2000" b="1" dirty="0" err="1">
                 <a:latin typeface="Montserrat Medium" panose="00000600000000000000" pitchFamily="50" charset="0"/>
                 <a:cs typeface="Times New Roman" panose="02020603050405020304" pitchFamily="18" charset="0"/>
               </a:rPr>
               <a:t>bài</a:t>
             </a:r>
             <a:r>
-              <a:rPr lang="en-US" sz="2200" b="1" dirty="0">
+              <a:rPr lang="en-US" sz="2000" b="1" dirty="0">
                 <a:latin typeface="Montserrat Medium" panose="00000600000000000000" pitchFamily="50" charset="0"/>
                 <a:cs typeface="Times New Roman" panose="02020603050405020304" pitchFamily="18" charset="0"/>
               </a:rPr>
               <a:t> </a:t>
             </a:r>
             <a:r>
-              <a:rPr lang="en-US" sz="2200" b="1" dirty="0" err="1">
+              <a:rPr lang="en-US" sz="2000" b="1" dirty="0" err="1">
                 <a:latin typeface="Montserrat Medium" panose="00000600000000000000" pitchFamily="50" charset="0"/>
                 <a:cs typeface="Times New Roman" panose="02020603050405020304" pitchFamily="18" charset="0"/>
               </a:rPr>
               <a:t>toán</a:t>
             </a:r>
-            <a:endParaRPr lang="en-US" sz="2200" b="1" dirty="0">
+            <a:endParaRPr lang="en-US" sz="2000" b="1" dirty="0">
               <a:latin typeface="Montserrat Medium" panose="00000600000000000000" pitchFamily="50" charset="0"/>
               <a:cs typeface="Times New Roman" panose="02020603050405020304" pitchFamily="18" charset="0"/>
             </a:endParaRPr>
@@ -34182,7 +34182,7 @@
         <p:push dir="r"/>
       </p:transition>
     </mc:Choice>
-    <mc:Fallback xmlns="" xmlns:mv="urn:schemas-microsoft-com:mac:vml" xmlns:c="http://schemas.openxmlformats.org/drawingml/2006/chart" xmlns:dgm="http://schemas.openxmlformats.org/drawingml/2006/diagram" xmlns:o="urn:schemas-microsoft-com:office:office" xmlns:v="urn:schemas-microsoft-com:vml" xmlns:pvml="urn:schemas-microsoft-com:office:powerpoint" xmlns:com="http://schemas.openxmlformats.org/drawingml/2006/compatibility" xmlns:p15="http://schemas.microsoft.com/office/powerpoint/2012/main" xmlns:ahyp="http://schemas.microsoft.com/office/drawing/2018/hyperlinkcolor">
+    <mc:Fallback xmlns:ahyp="http://schemas.microsoft.com/office/drawing/2018/hyperlinkcolor" xmlns:p15="http://schemas.microsoft.com/office/powerpoint/2012/main" xmlns:com="http://schemas.openxmlformats.org/drawingml/2006/compatibility" xmlns:pvml="urn:schemas-microsoft-com:office:powerpoint" xmlns:v="urn:schemas-microsoft-com:vml" xmlns:o="urn:schemas-microsoft-com:office:office" xmlns:dgm="http://schemas.openxmlformats.org/drawingml/2006/diagram" xmlns:c="http://schemas.openxmlformats.org/drawingml/2006/chart" xmlns:mv="urn:schemas-microsoft-com:mac:vml" xmlns="">
       <p:transition spd="slow">
         <p:fade/>
       </p:transition>
@@ -38301,7 +38301,7 @@
         </p:nvSpPr>
         <p:spPr>
           <a:xfrm>
-            <a:off x="210271" y="1399143"/>
+            <a:off x="428466" y="1459360"/>
             <a:ext cx="10674118" cy="1661993"/>
           </a:xfrm>
           <a:prstGeom prst="rect">
@@ -38513,7 +38513,7 @@
         </p:nvSpPr>
         <p:spPr>
           <a:xfrm>
-            <a:off x="210271" y="3649691"/>
+            <a:off x="465538" y="3754104"/>
             <a:ext cx="10674118" cy="2185214"/>
           </a:xfrm>
           <a:prstGeom prst="rect">
